--- a/Reference materials/22_1_command line arguments, Environmental variables, Type qualifiers, Debugging.pptx
+++ b/Reference materials/22_1_command line arguments, Environmental variables, Type qualifiers, Debugging.pptx
@@ -318,7 +318,7 @@
           <a:p>
             <a:fld id="{02943396-0356-46F5-A8EE-5F67E8192C0C}" type="datetimeFigureOut">
               <a:rPr lang="en-IN" smtClean="0"/>
-              <a:t>01-06-2021</a:t>
+              <a:t>02-06-2021</a:t>
             </a:fld>
             <a:endParaRPr lang="en-IN"/>
           </a:p>
@@ -488,7 +488,7 @@
           <a:p>
             <a:fld id="{02943396-0356-46F5-A8EE-5F67E8192C0C}" type="datetimeFigureOut">
               <a:rPr lang="en-IN" smtClean="0"/>
-              <a:t>01-06-2021</a:t>
+              <a:t>02-06-2021</a:t>
             </a:fld>
             <a:endParaRPr lang="en-IN"/>
           </a:p>
@@ -668,7 +668,7 @@
           <a:p>
             <a:fld id="{02943396-0356-46F5-A8EE-5F67E8192C0C}" type="datetimeFigureOut">
               <a:rPr lang="en-IN" smtClean="0"/>
-              <a:t>01-06-2021</a:t>
+              <a:t>02-06-2021</a:t>
             </a:fld>
             <a:endParaRPr lang="en-IN"/>
           </a:p>
@@ -838,7 +838,7 @@
           <a:p>
             <a:fld id="{02943396-0356-46F5-A8EE-5F67E8192C0C}" type="datetimeFigureOut">
               <a:rPr lang="en-IN" smtClean="0"/>
-              <a:t>01-06-2021</a:t>
+              <a:t>02-06-2021</a:t>
             </a:fld>
             <a:endParaRPr lang="en-IN"/>
           </a:p>
@@ -1084,7 +1084,7 @@
           <a:p>
             <a:fld id="{02943396-0356-46F5-A8EE-5F67E8192C0C}" type="datetimeFigureOut">
               <a:rPr lang="en-IN" smtClean="0"/>
-              <a:t>01-06-2021</a:t>
+              <a:t>02-06-2021</a:t>
             </a:fld>
             <a:endParaRPr lang="en-IN"/>
           </a:p>
@@ -1372,7 +1372,7 @@
           <a:p>
             <a:fld id="{02943396-0356-46F5-A8EE-5F67E8192C0C}" type="datetimeFigureOut">
               <a:rPr lang="en-IN" smtClean="0"/>
-              <a:t>01-06-2021</a:t>
+              <a:t>02-06-2021</a:t>
             </a:fld>
             <a:endParaRPr lang="en-IN"/>
           </a:p>
@@ -1794,7 +1794,7 @@
           <a:p>
             <a:fld id="{02943396-0356-46F5-A8EE-5F67E8192C0C}" type="datetimeFigureOut">
               <a:rPr lang="en-IN" smtClean="0"/>
-              <a:t>01-06-2021</a:t>
+              <a:t>02-06-2021</a:t>
             </a:fld>
             <a:endParaRPr lang="en-IN"/>
           </a:p>
@@ -1912,7 +1912,7 @@
           <a:p>
             <a:fld id="{02943396-0356-46F5-A8EE-5F67E8192C0C}" type="datetimeFigureOut">
               <a:rPr lang="en-IN" smtClean="0"/>
-              <a:t>01-06-2021</a:t>
+              <a:t>02-06-2021</a:t>
             </a:fld>
             <a:endParaRPr lang="en-IN"/>
           </a:p>
@@ -2007,7 +2007,7 @@
           <a:p>
             <a:fld id="{02943396-0356-46F5-A8EE-5F67E8192C0C}" type="datetimeFigureOut">
               <a:rPr lang="en-IN" smtClean="0"/>
-              <a:t>01-06-2021</a:t>
+              <a:t>02-06-2021</a:t>
             </a:fld>
             <a:endParaRPr lang="en-IN"/>
           </a:p>
@@ -2284,7 +2284,7 @@
           <a:p>
             <a:fld id="{02943396-0356-46F5-A8EE-5F67E8192C0C}" type="datetimeFigureOut">
               <a:rPr lang="en-IN" smtClean="0"/>
-              <a:t>01-06-2021</a:t>
+              <a:t>02-06-2021</a:t>
             </a:fld>
             <a:endParaRPr lang="en-IN"/>
           </a:p>
@@ -2537,7 +2537,7 @@
           <a:p>
             <a:fld id="{02943396-0356-46F5-A8EE-5F67E8192C0C}" type="datetimeFigureOut">
               <a:rPr lang="en-IN" smtClean="0"/>
-              <a:t>01-06-2021</a:t>
+              <a:t>02-06-2021</a:t>
             </a:fld>
             <a:endParaRPr lang="en-IN"/>
           </a:p>
@@ -2750,7 +2750,7 @@
           <a:p>
             <a:fld id="{02943396-0356-46F5-A8EE-5F67E8192C0C}" type="datetimeFigureOut">
               <a:rPr lang="en-IN" smtClean="0"/>
-              <a:t>01-06-2021</a:t>
+              <a:t>02-06-2021</a:t>
             </a:fld>
             <a:endParaRPr lang="en-IN"/>
           </a:p>
@@ -3677,8 +3677,8 @@
         </p:nvSpPr>
         <p:spPr>
           <a:xfrm>
-            <a:off x="467544" y="1268760"/>
-            <a:ext cx="8424936" cy="5328592"/>
+            <a:off x="323528" y="1268760"/>
+            <a:ext cx="8568952" cy="4968552"/>
           </a:xfrm>
         </p:spPr>
         <p:txBody>
